--- a/study/ppt/[스터디]2.1.1~2.1.3_크기와품질_KDH.pptx
+++ b/study/ppt/[스터디]2.1.1~2.1.3_크기와품질_KDH.pptx
@@ -5,10 +5,12 @@
     <p:sldMasterId id="2147483648" r:id="rId1"/>
   </p:sldMasterIdLst>
   <p:notesMasterIdLst>
-    <p:notesMasterId r:id="rId3"/>
+    <p:notesMasterId r:id="rId5"/>
   </p:notesMasterIdLst>
   <p:sldIdLst>
-    <p:sldId id="256" r:id="rId2"/>
+    <p:sldId id="257" r:id="rId2"/>
+    <p:sldId id="256" r:id="rId3"/>
+    <p:sldId id="258" r:id="rId4"/>
   </p:sldIdLst>
   <p:sldSz cx="9906000" cy="6858000" type="A4"/>
   <p:notesSz cx="6858000" cy="9144000"/>
@@ -307,7 +309,7 @@
       </p15:sldGuideLst>
     </p:ext>
     <p:ext uri="http://customooxmlschemas.google.com/">
-      <go:slidesCustomData xmlns:go="http://customooxmlschemas.google.com/" xmlns:p15="http://schemas.microsoft.com/office/powerpoint/2012/main" xmlns:p14="http://schemas.microsoft.com/office/powerpoint/2010/main" xmlns:com="http://schemas.openxmlformats.org/drawingml/2006/compatibility" xmlns:pvml="urn:schemas-microsoft-com:office:powerpoint" xmlns:v="urn:schemas-microsoft-com:vml" xmlns:o="urn:schemas-microsoft-com:office:office" xmlns:dgm="http://schemas.openxmlformats.org/drawingml/2006/diagram" xmlns:c="http://schemas.openxmlformats.org/drawingml/2006/chart" xmlns:mv="urn:schemas-microsoft-com:mac:vml" xmlns:mc="http://schemas.openxmlformats.org/markup-compatibility/2006" xmlns="" r:id="rId10" roundtripDataSignature="AMtx7mhva3UHPhQA4WbyUQCroSE+7w+SGg=="/>
+      <go:slidesCustomData xmlns="" xmlns:mc="http://schemas.openxmlformats.org/markup-compatibility/2006" xmlns:mv="urn:schemas-microsoft-com:mac:vml" xmlns:c="http://schemas.openxmlformats.org/drawingml/2006/chart" xmlns:dgm="http://schemas.openxmlformats.org/drawingml/2006/diagram" xmlns:o="urn:schemas-microsoft-com:office:office" xmlns:v="urn:schemas-microsoft-com:vml" xmlns:pvml="urn:schemas-microsoft-com:office:powerpoint" xmlns:com="http://schemas.openxmlformats.org/drawingml/2006/compatibility" xmlns:p14="http://schemas.microsoft.com/office/powerpoint/2010/main" xmlns:p15="http://schemas.microsoft.com/office/powerpoint/2012/main" xmlns:go="http://customooxmlschemas.google.com/" r:id="rId10" roundtripDataSignature="AMtx7mhva3UHPhQA4WbyUQCroSE+7w+SGg=="/>
     </p:ext>
   </p:extLst>
 </p:presentation>
@@ -1620,6 +1622,393 @@
               <a:buFont typeface="Noto Sans Symbols"/>
               <a:buNone/>
             </a:pPr>
+            <a:r>
+              <a:rPr lang="ko-KR" altLang="en-US" dirty="0">
+                <a:highlight>
+                  <a:srgbClr val="FFFF00"/>
+                </a:highlight>
+              </a:rPr>
+              <a:t>전체 모집단을 대표하지 못하고 잘못된 쪽으로 치우치는 경향을 말한다</a:t>
+            </a:r>
+            <a:r>
+              <a:rPr lang="en-US" altLang="ko-KR" dirty="0">
+                <a:highlight>
+                  <a:srgbClr val="FFFF00"/>
+                </a:highlight>
+              </a:rPr>
+              <a:t>. </a:t>
+            </a:r>
+            <a:r>
+              <a:rPr lang="ko-KR" altLang="en-US" dirty="0">
+                <a:highlight>
+                  <a:srgbClr val="FFFF00"/>
+                </a:highlight>
+              </a:rPr>
+              <a:t>위 두 </a:t>
+            </a:r>
+            <a:r>
+              <a:rPr lang="ko-KR" altLang="en-US" dirty="0" err="1">
+                <a:highlight>
+                  <a:srgbClr val="FFFF00"/>
+                </a:highlight>
+              </a:rPr>
+              <a:t>관역은</a:t>
+            </a:r>
+            <a:r>
+              <a:rPr lang="ko-KR" altLang="en-US" dirty="0">
+                <a:highlight>
+                  <a:srgbClr val="FFFF00"/>
+                </a:highlight>
+              </a:rPr>
+              <a:t> 편향이 낮다</a:t>
+            </a:r>
+            <a:r>
+              <a:rPr lang="en-US" altLang="ko-KR" dirty="0">
+                <a:highlight>
+                  <a:srgbClr val="FFFF00"/>
+                </a:highlight>
+              </a:rPr>
+              <a:t>. </a:t>
+            </a:r>
+            <a:r>
+              <a:rPr lang="ko-KR" altLang="en-US" dirty="0">
+                <a:highlight>
+                  <a:srgbClr val="FFFF00"/>
+                </a:highlight>
+              </a:rPr>
+              <a:t>아래는 편향이 높다</a:t>
+            </a:r>
+            <a:r>
+              <a:rPr lang="en-US" altLang="ko-KR" dirty="0">
+                <a:highlight>
+                  <a:srgbClr val="FFFF00"/>
+                </a:highlight>
+              </a:rPr>
+              <a:t>.</a:t>
+            </a:r>
+          </a:p>
+          <a:p>
+            <a:pPr marL="0" lvl="0" indent="0" algn="l" rtl="0">
+              <a:lnSpc>
+                <a:spcPct val="100000"/>
+              </a:lnSpc>
+              <a:spcBef>
+                <a:spcPts val="0"/>
+              </a:spcBef>
+              <a:spcAft>
+                <a:spcPts val="0"/>
+              </a:spcAft>
+              <a:buClr>
+                <a:schemeClr val="dk1"/>
+              </a:buClr>
+              <a:buSzPts val="1200"/>
+              <a:buFont typeface="Noto Sans Symbols"/>
+              <a:buNone/>
+            </a:pPr>
+            <a:r>
+              <a:rPr lang="ko-KR" altLang="en-US" dirty="0">
+                <a:highlight>
+                  <a:srgbClr val="FFFF00"/>
+                </a:highlight>
+              </a:rPr>
+              <a:t>편향된 표본이 편향 되지 않게 표본을 추출하는 방법들 중에 랜덤추출이라는 방법이 있는데 </a:t>
+            </a:r>
+            <a:endParaRPr lang="en-US" altLang="ko-KR" dirty="0">
+              <a:highlight>
+                <a:srgbClr val="FFFF00"/>
+              </a:highlight>
+            </a:endParaRPr>
+          </a:p>
+          <a:p>
+            <a:pPr marL="0" lvl="0" indent="0" algn="l" rtl="0">
+              <a:lnSpc>
+                <a:spcPct val="100000"/>
+              </a:lnSpc>
+              <a:spcBef>
+                <a:spcPts val="0"/>
+              </a:spcBef>
+              <a:spcAft>
+                <a:spcPts val="0"/>
+              </a:spcAft>
+              <a:buClr>
+                <a:schemeClr val="dk1"/>
+              </a:buClr>
+              <a:buSzPts val="1200"/>
+              <a:buFont typeface="Noto Sans Symbols"/>
+              <a:buNone/>
+            </a:pPr>
+            <a:r>
+              <a:rPr lang="ko-KR" altLang="en-US" dirty="0" err="1">
+                <a:highlight>
+                  <a:srgbClr val="FFFF00"/>
+                </a:highlight>
+              </a:rPr>
+              <a:t>랜덤추출이란</a:t>
+            </a:r>
+            <a:r>
+              <a:rPr lang="ko-KR" altLang="en-US" dirty="0">
+                <a:highlight>
+                  <a:srgbClr val="FFFF00"/>
+                </a:highlight>
+              </a:rPr>
+              <a:t> 모집단을 대표할 수 있는 표본을 무작위 추출하는 방법</a:t>
+            </a:r>
+            <a:endParaRPr lang="en-US" altLang="ko-KR" dirty="0">
+              <a:highlight>
+                <a:srgbClr val="FFFF00"/>
+              </a:highlight>
+            </a:endParaRPr>
+          </a:p>
+          <a:p>
+            <a:pPr marL="0" lvl="0" indent="0" algn="l" rtl="0">
+              <a:lnSpc>
+                <a:spcPct val="100000"/>
+              </a:lnSpc>
+              <a:spcBef>
+                <a:spcPts val="0"/>
+              </a:spcBef>
+              <a:spcAft>
+                <a:spcPts val="0"/>
+              </a:spcAft>
+              <a:buClr>
+                <a:schemeClr val="dk1"/>
+              </a:buClr>
+              <a:buSzPts val="1200"/>
+              <a:buFont typeface="Noto Sans Symbols"/>
+              <a:buNone/>
+            </a:pPr>
+            <a:endParaRPr lang="en-US" altLang="ko-KR" dirty="0">
+              <a:highlight>
+                <a:srgbClr val="FFFF00"/>
+              </a:highlight>
+            </a:endParaRPr>
+          </a:p>
+          <a:p>
+            <a:pPr marL="0" lvl="0" indent="0" algn="l" rtl="0">
+              <a:lnSpc>
+                <a:spcPct val="100000"/>
+              </a:lnSpc>
+              <a:spcBef>
+                <a:spcPts val="0"/>
+              </a:spcBef>
+              <a:spcAft>
+                <a:spcPts val="0"/>
+              </a:spcAft>
+              <a:buClr>
+                <a:schemeClr val="dk1"/>
+              </a:buClr>
+              <a:buSzPts val="1200"/>
+              <a:buFont typeface="Noto Sans Symbols"/>
+              <a:buNone/>
+            </a:pPr>
+            <a:r>
+              <a:rPr lang="ko-KR" altLang="en-US" dirty="0">
+                <a:highlight>
+                  <a:srgbClr val="FFFF00"/>
+                </a:highlight>
+              </a:rPr>
+              <a:t>랜덤추출 방법에는 </a:t>
+            </a:r>
+            <a:r>
+              <a:rPr lang="en-US" altLang="ko-KR" dirty="0">
+                <a:highlight>
+                  <a:srgbClr val="FFFF00"/>
+                </a:highlight>
+              </a:rPr>
+              <a:t>4</a:t>
+            </a:r>
+            <a:r>
+              <a:rPr lang="ko-KR" altLang="en-US" dirty="0">
+                <a:highlight>
+                  <a:srgbClr val="FFFF00"/>
+                </a:highlight>
+              </a:rPr>
+              <a:t>가지 방법이 있다</a:t>
+            </a:r>
+            <a:r>
+              <a:rPr lang="en-US" altLang="ko-KR" dirty="0">
+                <a:highlight>
+                  <a:srgbClr val="FFFF00"/>
+                </a:highlight>
+              </a:rPr>
+              <a:t>. </a:t>
+            </a:r>
+          </a:p>
+        </p:txBody>
+      </p:sp>
+      <p:sp>
+        <p:nvSpPr>
+          <p:cNvPr id="27" name="Google Shape;27;p2:notes"/>
+          <p:cNvSpPr txBox="1">
+            <a:spLocks noGrp="1"/>
+          </p:cNvSpPr>
+          <p:nvPr>
+            <p:ph type="sldNum" idx="12"/>
+          </p:nvPr>
+        </p:nvSpPr>
+        <p:spPr>
+          <a:xfrm>
+            <a:off x="3884613" y="8685213"/>
+            <a:ext cx="2971800" cy="458787"/>
+          </a:xfrm>
+          <a:prstGeom prst="rect">
+            <a:avLst/>
+          </a:prstGeom>
+          <a:noFill/>
+          <a:ln>
+            <a:noFill/>
+          </a:ln>
+        </p:spPr>
+        <p:txBody>
+          <a:bodyPr spcFirstLastPara="1" wrap="square" lIns="91425" tIns="45700" rIns="91425" bIns="45700" anchor="b" anchorCtr="0">
+            <a:noAutofit/>
+          </a:bodyPr>
+          <a:lstStyle/>
+          <a:p>
+            <a:pPr marL="0" lvl="0" indent="0" algn="r" rtl="0">
+              <a:spcBef>
+                <a:spcPts val="0"/>
+              </a:spcBef>
+              <a:spcAft>
+                <a:spcPts val="0"/>
+              </a:spcAft>
+              <a:buNone/>
+            </a:pPr>
+            <a:fld id="{00000000-1234-1234-1234-123412341234}" type="slidenum">
+              <a:rPr lang="en-US" altLang="ko-KR"/>
+              <a:t>1</a:t>
+            </a:fld>
+            <a:endParaRPr/>
+          </a:p>
+        </p:txBody>
+      </p:sp>
+    </p:spTree>
+    <p:extLst>
+      <p:ext uri="{BB962C8B-B14F-4D97-AF65-F5344CB8AC3E}">
+        <p14:creationId xmlns:p14="http://schemas.microsoft.com/office/powerpoint/2010/main" val="1989089320"/>
+      </p:ext>
+    </p:extLst>
+  </p:cSld>
+  <p:clrMapOvr>
+    <a:masterClrMapping/>
+  </p:clrMapOvr>
+</p:notes>
+</file>
+
+<file path=ppt/notesSlides/notesSlide2.xml><?xml version="1.0" encoding="utf-8"?>
+<p:notes xmlns:a="http://schemas.openxmlformats.org/drawingml/2006/main" xmlns:r="http://schemas.openxmlformats.org/officeDocument/2006/relationships" xmlns:p="http://schemas.openxmlformats.org/presentationml/2006/main" showMasterSp="0" showMasterPhAnim="0">
+  <p:cSld>
+    <p:spTree>
+      <p:nvGrpSpPr>
+        <p:cNvPr id="1" name="Shape 24"/>
+        <p:cNvGrpSpPr/>
+        <p:nvPr/>
+      </p:nvGrpSpPr>
+      <p:grpSpPr>
+        <a:xfrm>
+          <a:off x="0" y="0"/>
+          <a:ext cx="0" cy="0"/>
+          <a:chOff x="0" y="0"/>
+          <a:chExt cx="0" cy="0"/>
+        </a:xfrm>
+      </p:grpSpPr>
+      <p:sp>
+        <p:nvSpPr>
+          <p:cNvPr id="25" name="Google Shape;25;p2:notes"/>
+          <p:cNvSpPr>
+            <a:spLocks noGrp="1" noRot="1" noChangeAspect="1"/>
+          </p:cNvSpPr>
+          <p:nvPr>
+            <p:ph type="sldImg" idx="2"/>
+          </p:nvPr>
+        </p:nvSpPr>
+        <p:spPr>
+          <a:xfrm>
+            <a:off x="1200150" y="1143000"/>
+            <a:ext cx="4457700" cy="3086100"/>
+          </a:xfrm>
+          <a:custGeom>
+            <a:avLst/>
+            <a:gdLst/>
+            <a:ahLst/>
+            <a:cxnLst/>
+            <a:rect l="l" t="t" r="r" b="b"/>
+            <a:pathLst>
+              <a:path w="120000" h="120000" extrusionOk="0">
+                <a:moveTo>
+                  <a:pt x="0" y="0"/>
+                </a:moveTo>
+                <a:lnTo>
+                  <a:pt x="120000" y="0"/>
+                </a:lnTo>
+                <a:lnTo>
+                  <a:pt x="120000" y="120000"/>
+                </a:lnTo>
+                <a:lnTo>
+                  <a:pt x="0" y="120000"/>
+                </a:lnTo>
+                <a:close/>
+              </a:path>
+            </a:pathLst>
+          </a:custGeom>
+          <a:noFill/>
+          <a:ln w="12700" cap="flat" cmpd="sng">
+            <a:solidFill>
+              <a:srgbClr val="000000"/>
+            </a:solidFill>
+            <a:prstDash val="solid"/>
+            <a:round/>
+            <a:headEnd type="none" w="sm" len="sm"/>
+            <a:tailEnd type="none" w="sm" len="sm"/>
+          </a:ln>
+        </p:spPr>
+      </p:sp>
+      <p:sp>
+        <p:nvSpPr>
+          <p:cNvPr id="26" name="Google Shape;26;p2:notes"/>
+          <p:cNvSpPr txBox="1">
+            <a:spLocks noGrp="1"/>
+          </p:cNvSpPr>
+          <p:nvPr>
+            <p:ph type="body" idx="1"/>
+          </p:nvPr>
+        </p:nvSpPr>
+        <p:spPr>
+          <a:xfrm>
+            <a:off x="685800" y="4400550"/>
+            <a:ext cx="5486400" cy="3600450"/>
+          </a:xfrm>
+          <a:prstGeom prst="rect">
+            <a:avLst/>
+          </a:prstGeom>
+          <a:noFill/>
+          <a:ln>
+            <a:noFill/>
+          </a:ln>
+        </p:spPr>
+        <p:txBody>
+          <a:bodyPr spcFirstLastPara="1" wrap="square" lIns="91425" tIns="45700" rIns="91425" bIns="45700" anchor="t" anchorCtr="0">
+            <a:noAutofit/>
+          </a:bodyPr>
+          <a:lstStyle/>
+          <a:p>
+            <a:pPr marL="0" lvl="0" indent="0" algn="l" rtl="0">
+              <a:lnSpc>
+                <a:spcPct val="100000"/>
+              </a:lnSpc>
+              <a:spcBef>
+                <a:spcPts val="0"/>
+              </a:spcBef>
+              <a:spcAft>
+                <a:spcPts val="0"/>
+              </a:spcAft>
+              <a:buClr>
+                <a:schemeClr val="dk1"/>
+              </a:buClr>
+              <a:buSzPts val="1200"/>
+              <a:buFont typeface="Noto Sans Symbols"/>
+              <a:buNone/>
+            </a:pPr>
             <a:endParaRPr>
               <a:highlight>
                 <a:srgbClr val="FFFF00"/>
@@ -1668,13 +2057,194 @@
             </a:pPr>
             <a:fld id="{00000000-1234-1234-1234-123412341234}" type="slidenum">
               <a:rPr lang="en-US" altLang="ko-KR"/>
-              <a:t>1</a:t>
+              <a:t>2</a:t>
             </a:fld>
             <a:endParaRPr/>
           </a:p>
         </p:txBody>
       </p:sp>
     </p:spTree>
+  </p:cSld>
+  <p:clrMapOvr>
+    <a:masterClrMapping/>
+  </p:clrMapOvr>
+</p:notes>
+</file>
+
+<file path=ppt/notesSlides/notesSlide3.xml><?xml version="1.0" encoding="utf-8"?>
+<p:notes xmlns:a="http://schemas.openxmlformats.org/drawingml/2006/main" xmlns:r="http://schemas.openxmlformats.org/officeDocument/2006/relationships" xmlns:p="http://schemas.openxmlformats.org/presentationml/2006/main" showMasterSp="0" showMasterPhAnim="0">
+  <p:cSld>
+    <p:spTree>
+      <p:nvGrpSpPr>
+        <p:cNvPr id="1" name="Shape 24"/>
+        <p:cNvGrpSpPr/>
+        <p:nvPr/>
+      </p:nvGrpSpPr>
+      <p:grpSpPr>
+        <a:xfrm>
+          <a:off x="0" y="0"/>
+          <a:ext cx="0" cy="0"/>
+          <a:chOff x="0" y="0"/>
+          <a:chExt cx="0" cy="0"/>
+        </a:xfrm>
+      </p:grpSpPr>
+      <p:sp>
+        <p:nvSpPr>
+          <p:cNvPr id="25" name="Google Shape;25;p2:notes"/>
+          <p:cNvSpPr>
+            <a:spLocks noGrp="1" noRot="1" noChangeAspect="1"/>
+          </p:cNvSpPr>
+          <p:nvPr>
+            <p:ph type="sldImg" idx="2"/>
+          </p:nvPr>
+        </p:nvSpPr>
+        <p:spPr>
+          <a:xfrm>
+            <a:off x="1200150" y="1143000"/>
+            <a:ext cx="4457700" cy="3086100"/>
+          </a:xfrm>
+          <a:custGeom>
+            <a:avLst/>
+            <a:gdLst/>
+            <a:ahLst/>
+            <a:cxnLst/>
+            <a:rect l="l" t="t" r="r" b="b"/>
+            <a:pathLst>
+              <a:path w="120000" h="120000" extrusionOk="0">
+                <a:moveTo>
+                  <a:pt x="0" y="0"/>
+                </a:moveTo>
+                <a:lnTo>
+                  <a:pt x="120000" y="0"/>
+                </a:lnTo>
+                <a:lnTo>
+                  <a:pt x="120000" y="120000"/>
+                </a:lnTo>
+                <a:lnTo>
+                  <a:pt x="0" y="120000"/>
+                </a:lnTo>
+                <a:close/>
+              </a:path>
+            </a:pathLst>
+          </a:custGeom>
+          <a:noFill/>
+          <a:ln w="12700" cap="flat" cmpd="sng">
+            <a:solidFill>
+              <a:srgbClr val="000000"/>
+            </a:solidFill>
+            <a:prstDash val="solid"/>
+            <a:round/>
+            <a:headEnd type="none" w="sm" len="sm"/>
+            <a:tailEnd type="none" w="sm" len="sm"/>
+          </a:ln>
+        </p:spPr>
+      </p:sp>
+      <p:sp>
+        <p:nvSpPr>
+          <p:cNvPr id="26" name="Google Shape;26;p2:notes"/>
+          <p:cNvSpPr txBox="1">
+            <a:spLocks noGrp="1"/>
+          </p:cNvSpPr>
+          <p:nvPr>
+            <p:ph type="body" idx="1"/>
+          </p:nvPr>
+        </p:nvSpPr>
+        <p:spPr>
+          <a:xfrm>
+            <a:off x="685800" y="4400550"/>
+            <a:ext cx="5486400" cy="3600450"/>
+          </a:xfrm>
+          <a:prstGeom prst="rect">
+            <a:avLst/>
+          </a:prstGeom>
+          <a:noFill/>
+          <a:ln>
+            <a:noFill/>
+          </a:ln>
+        </p:spPr>
+        <p:txBody>
+          <a:bodyPr spcFirstLastPara="1" wrap="square" lIns="91425" tIns="45700" rIns="91425" bIns="45700" anchor="t" anchorCtr="0">
+            <a:noAutofit/>
+          </a:bodyPr>
+          <a:lstStyle/>
+          <a:p>
+            <a:pPr marL="0" lvl="0" indent="0" algn="l" rtl="0">
+              <a:lnSpc>
+                <a:spcPct val="100000"/>
+              </a:lnSpc>
+              <a:spcBef>
+                <a:spcPts val="0"/>
+              </a:spcBef>
+              <a:spcAft>
+                <a:spcPts val="0"/>
+              </a:spcAft>
+              <a:buClr>
+                <a:schemeClr val="dk1"/>
+              </a:buClr>
+              <a:buSzPts val="1200"/>
+              <a:buFont typeface="Noto Sans Symbols"/>
+              <a:buNone/>
+            </a:pPr>
+            <a:endParaRPr>
+              <a:highlight>
+                <a:srgbClr val="FFFF00"/>
+              </a:highlight>
+            </a:endParaRPr>
+          </a:p>
+        </p:txBody>
+      </p:sp>
+      <p:sp>
+        <p:nvSpPr>
+          <p:cNvPr id="27" name="Google Shape;27;p2:notes"/>
+          <p:cNvSpPr txBox="1">
+            <a:spLocks noGrp="1"/>
+          </p:cNvSpPr>
+          <p:nvPr>
+            <p:ph type="sldNum" idx="12"/>
+          </p:nvPr>
+        </p:nvSpPr>
+        <p:spPr>
+          <a:xfrm>
+            <a:off x="3884613" y="8685213"/>
+            <a:ext cx="2971800" cy="458787"/>
+          </a:xfrm>
+          <a:prstGeom prst="rect">
+            <a:avLst/>
+          </a:prstGeom>
+          <a:noFill/>
+          <a:ln>
+            <a:noFill/>
+          </a:ln>
+        </p:spPr>
+        <p:txBody>
+          <a:bodyPr spcFirstLastPara="1" wrap="square" lIns="91425" tIns="45700" rIns="91425" bIns="45700" anchor="b" anchorCtr="0">
+            <a:noAutofit/>
+          </a:bodyPr>
+          <a:lstStyle/>
+          <a:p>
+            <a:pPr marL="0" lvl="0" indent="0" algn="r" rtl="0">
+              <a:spcBef>
+                <a:spcPts val="0"/>
+              </a:spcBef>
+              <a:spcAft>
+                <a:spcPts val="0"/>
+              </a:spcAft>
+              <a:buNone/>
+            </a:pPr>
+            <a:fld id="{00000000-1234-1234-1234-123412341234}" type="slidenum">
+              <a:rPr lang="en-US" altLang="ko-KR"/>
+              <a:t>3</a:t>
+            </a:fld>
+            <a:endParaRPr/>
+          </a:p>
+        </p:txBody>
+      </p:sp>
+    </p:spTree>
+    <p:extLst>
+      <p:ext uri="{BB962C8B-B14F-4D97-AF65-F5344CB8AC3E}">
+        <p14:creationId xmlns:p14="http://schemas.microsoft.com/office/powerpoint/2010/main" val="347864687"/>
+      </p:ext>
+    </p:extLst>
   </p:cSld>
   <p:clrMapOvr>
     <a:masterClrMapping/>
@@ -3903,7 +4473,7 @@
         <p:spPr>
           <a:xfrm>
             <a:off x="-62261" y="930518"/>
-            <a:ext cx="9889800" cy="369300"/>
+            <a:ext cx="6413634" cy="369300"/>
           </a:xfrm>
           <a:prstGeom prst="rect">
             <a:avLst/>
@@ -3956,6 +4526,39 @@
               </a:rPr>
               <a:t>평향</a:t>
             </a:r>
+            <a:r>
+              <a:rPr lang="ko-KR" altLang="en-US" sz="2000" b="1" dirty="0">
+                <a:solidFill>
+                  <a:schemeClr val="tx1">
+                    <a:lumMod val="95000"/>
+                    <a:lumOff val="5000"/>
+                  </a:schemeClr>
+                </a:solidFill>
+              </a:rPr>
+              <a:t> </a:t>
+            </a:r>
+            <a:r>
+              <a:rPr lang="en-US" altLang="ko-KR" sz="2000" b="1" dirty="0">
+                <a:solidFill>
+                  <a:schemeClr val="tx1">
+                    <a:lumMod val="95000"/>
+                    <a:lumOff val="5000"/>
+                  </a:schemeClr>
+                </a:solidFill>
+              </a:rPr>
+              <a:t>~ 2.1.2 </a:t>
+            </a:r>
+            <a:r>
+              <a:rPr lang="ko-KR" altLang="en-US" sz="2000" b="1" dirty="0">
+                <a:solidFill>
+                  <a:schemeClr val="tx1">
+                    <a:lumMod val="95000"/>
+                    <a:lumOff val="5000"/>
+                  </a:schemeClr>
+                </a:solidFill>
+              </a:rPr>
+              <a:t>랜덤 선택</a:t>
+            </a:r>
             <a:endParaRPr lang="en-US" altLang="ko-KR" sz="1600" dirty="0">
               <a:solidFill>
                 <a:schemeClr val="tx1">
@@ -4036,69 +4639,34 @@
               </a:rPr>
               <a:t>.</a:t>
             </a:r>
-            <a:r>
-              <a:rPr lang="ko-KR" altLang="en-US" sz="1600" dirty="0">
-                <a:solidFill>
-                  <a:schemeClr val="tx1">
-                    <a:lumMod val="95000"/>
-                    <a:lumOff val="5000"/>
-                  </a:schemeClr>
-                </a:solidFill>
-              </a:rPr>
-              <a:t> 전체 모집단을 제대로 대표하지 못할 경우 발생한다</a:t>
-            </a:r>
-            <a:r>
-              <a:rPr lang="en-US" altLang="ko-KR" sz="1600" dirty="0">
-                <a:solidFill>
-                  <a:schemeClr val="tx1">
-                    <a:lumMod val="95000"/>
-                    <a:lumOff val="5000"/>
-                  </a:schemeClr>
-                </a:solidFill>
-              </a:rPr>
-              <a:t>.</a:t>
-            </a:r>
           </a:p>
           <a:p>
-            <a:pPr marL="114300" algn="just">
+            <a:pPr marL="400050" lvl="0" indent="-285750" algn="just">
               <a:lnSpc>
                 <a:spcPct val="150000"/>
               </a:lnSpc>
-              <a:buClr>
-                <a:srgbClr val="0070C0"/>
-              </a:buClr>
+              <a:buClrTx/>
               <a:buSzPts val="1800"/>
+              <a:buFont typeface="Arial" panose="020B0604020202020204" pitchFamily="34" charset="0"/>
+              <a:buChar char="•"/>
             </a:pPr>
             <a:r>
-              <a:rPr lang="en-US" altLang="ko-KR" sz="2000" b="1" dirty="0">
-                <a:solidFill>
-                  <a:schemeClr val="tx1">
-                    <a:lumMod val="95000"/>
-                    <a:lumOff val="5000"/>
-                  </a:schemeClr>
-                </a:solidFill>
-              </a:rPr>
-              <a:t>2.1.2 </a:t>
-            </a:r>
-            <a:r>
-              <a:rPr lang="ko-KR" altLang="en-US" sz="2000" b="1" dirty="0">
-                <a:solidFill>
-                  <a:schemeClr val="tx1">
-                    <a:lumMod val="95000"/>
-                    <a:lumOff val="5000"/>
-                  </a:schemeClr>
-                </a:solidFill>
-              </a:rPr>
-              <a:t>랜덤 선택</a:t>
-            </a:r>
-            <a:endParaRPr lang="en-US" altLang="ko-KR" sz="1600" dirty="0">
-              <a:solidFill>
-                <a:schemeClr val="tx1">
-                  <a:lumMod val="95000"/>
-                  <a:lumOff val="5000"/>
-                </a:schemeClr>
-              </a:solidFill>
-            </a:endParaRPr>
+              <a:rPr lang="ko-KR" altLang="en-US" sz="1600" b="1" dirty="0"/>
+              <a:t>랜덤 추출</a:t>
+            </a:r>
+            <a:r>
+              <a:rPr lang="ko-KR" altLang="en-US" sz="1600" dirty="0"/>
+              <a:t> </a:t>
+            </a:r>
+            <a:r>
+              <a:rPr lang="en-US" altLang="ko-KR" sz="1600" dirty="0"/>
+              <a:t>: </a:t>
+            </a:r>
+            <a:r>
+              <a:rPr lang="ko-KR" altLang="en-US" sz="1600" dirty="0"/>
+              <a:t>모집단을 대표할 수 있는 표본을 무작위 추출</a:t>
+            </a:r>
+            <a:endParaRPr lang="en-US" altLang="ko-KR" sz="1600" dirty="0"/>
           </a:p>
           <a:p>
             <a:pPr marL="400050" marR="0" lvl="0" indent="-285750" algn="just" rtl="0">
@@ -4116,61 +4684,10 @@
               <a:buFont typeface="Arial" panose="020B0604020202020204" pitchFamily="34" charset="0"/>
               <a:buChar char="•"/>
             </a:pPr>
-            <a:r>
-              <a:rPr lang="ko-KR" altLang="en-US" sz="1800" b="1" dirty="0" err="1">
-                <a:solidFill>
-                  <a:schemeClr val="tx1">
-                    <a:lumMod val="95000"/>
-                    <a:lumOff val="5000"/>
-                  </a:schemeClr>
-                </a:solidFill>
-              </a:rPr>
-              <a:t>랜덤표본추출</a:t>
-            </a:r>
-            <a:r>
-              <a:rPr lang="ko-KR" altLang="en-US" sz="1800" b="1" dirty="0">
-                <a:solidFill>
-                  <a:schemeClr val="tx1">
-                    <a:lumMod val="95000"/>
-                    <a:lumOff val="5000"/>
-                  </a:schemeClr>
-                </a:solidFill>
-              </a:rPr>
-              <a:t> </a:t>
-            </a:r>
-            <a:r>
-              <a:rPr lang="en-US" altLang="ko-KR" sz="1800" dirty="0">
-                <a:solidFill>
-                  <a:schemeClr val="tx1">
-                    <a:lumMod val="95000"/>
-                    <a:lumOff val="5000"/>
-                  </a:schemeClr>
-                </a:solidFill>
-              </a:rPr>
-              <a:t>: </a:t>
-            </a:r>
-            <a:r>
-              <a:rPr lang="ko-KR" altLang="en-US" sz="1800" dirty="0">
-                <a:solidFill>
-                  <a:schemeClr val="tx1">
-                    <a:lumMod val="95000"/>
-                    <a:lumOff val="5000"/>
-                  </a:schemeClr>
-                </a:solidFill>
-              </a:rPr>
-              <a:t>모집단에서 랜덤으로 표본을 추출한 집단</a:t>
-            </a:r>
-            <a:endParaRPr lang="en-US" altLang="ko-KR" sz="1800" dirty="0">
-              <a:solidFill>
-                <a:schemeClr val="tx1">
-                  <a:lumMod val="95000"/>
-                  <a:lumOff val="5000"/>
-                </a:schemeClr>
-              </a:solidFill>
-            </a:endParaRPr>
+            <a:endParaRPr lang="en-US" altLang="ko-KR" sz="1600" dirty="0"/>
           </a:p>
           <a:p>
-            <a:pPr marL="400050" marR="0" lvl="0" indent="-285750" algn="just" rtl="0">
+            <a:pPr marL="457200" marR="0" lvl="0" indent="-342900" algn="just" rtl="0">
               <a:lnSpc>
                 <a:spcPct val="150000"/>
               </a:lnSpc>
@@ -4182,61 +4699,64 @@
               </a:spcAft>
               <a:buClrTx/>
               <a:buSzPts val="1800"/>
-              <a:buFont typeface="Arial" panose="020B0604020202020204" pitchFamily="34" charset="0"/>
-              <a:buChar char="•"/>
+              <a:buFont typeface="+mj-lt"/>
+              <a:buAutoNum type="arabicPeriod"/>
             </a:pPr>
             <a:r>
-              <a:rPr lang="ko-KR" altLang="en-US" sz="1800" b="1" dirty="0" err="1">
-                <a:solidFill>
-                  <a:schemeClr val="tx1">
-                    <a:lumMod val="95000"/>
-                    <a:lumOff val="5000"/>
-                  </a:schemeClr>
-                </a:solidFill>
-              </a:rPr>
-              <a:t>층화표본추출</a:t>
-            </a:r>
-            <a:r>
-              <a:rPr lang="ko-KR" altLang="en-US" sz="1800" b="1" dirty="0">
-                <a:solidFill>
-                  <a:schemeClr val="tx1">
-                    <a:lumMod val="95000"/>
-                    <a:lumOff val="5000"/>
-                  </a:schemeClr>
-                </a:solidFill>
-              </a:rPr>
+              <a:rPr lang="ko-KR" altLang="en-US" sz="1600" b="1" dirty="0" err="1"/>
+              <a:t>단순랜덤추출</a:t>
+            </a:r>
+            <a:r>
+              <a:rPr lang="ko-KR" altLang="en-US" sz="1600" dirty="0"/>
               <a:t> </a:t>
             </a:r>
             <a:r>
-              <a:rPr lang="en-US" altLang="ko-KR" sz="1800" dirty="0">
-                <a:solidFill>
-                  <a:schemeClr val="tx1">
-                    <a:lumMod val="95000"/>
-                    <a:lumOff val="5000"/>
-                  </a:schemeClr>
-                </a:solidFill>
-              </a:rPr>
+              <a:rPr lang="en-US" altLang="ko-KR" sz="1600" dirty="0"/>
               <a:t>: </a:t>
             </a:r>
             <a:r>
-              <a:rPr lang="ko-KR" altLang="en-US" sz="1800" dirty="0">
-                <a:solidFill>
-                  <a:schemeClr val="tx1">
-                    <a:lumMod val="95000"/>
-                    <a:lumOff val="5000"/>
-                  </a:schemeClr>
-                </a:solidFill>
-              </a:rPr>
-              <a:t>모집단을 여러 층으로 나누고 각 층에서 무작위로 샘플을 추출</a:t>
-            </a:r>
-            <a:endParaRPr lang="en-US" altLang="ko-KR" sz="1800" dirty="0">
-              <a:solidFill>
-                <a:schemeClr val="tx1">
-                  <a:lumMod val="95000"/>
-                  <a:lumOff val="5000"/>
-                </a:schemeClr>
-              </a:solidFill>
-            </a:endParaRPr>
+              <a:rPr lang="ko-KR" altLang="en-US" sz="1600" dirty="0"/>
+              <a:t>선택될 확률이 같도록 설계된 표본추출방법</a:t>
+            </a:r>
+            <a:r>
+              <a:rPr lang="en-US" altLang="ko-KR" sz="1600" dirty="0"/>
+              <a:t>(</a:t>
+            </a:r>
+            <a:r>
+              <a:rPr lang="ko-KR" altLang="en-US" sz="1600" dirty="0"/>
+              <a:t>복원</a:t>
+            </a:r>
+            <a:r>
+              <a:rPr lang="en-US" altLang="ko-KR" sz="1600" dirty="0"/>
+              <a:t>, </a:t>
+            </a:r>
+            <a:r>
+              <a:rPr lang="ko-KR" altLang="en-US" sz="1600" dirty="0" err="1"/>
+              <a:t>비복원</a:t>
+            </a:r>
+            <a:r>
+              <a:rPr lang="en-US" altLang="ko-KR" sz="1600" dirty="0"/>
+              <a:t>)</a:t>
+            </a:r>
+            <a:endParaRPr lang="ko-KR" altLang="en-US" dirty="0"/>
+          </a:p>
+          <a:p>
+            <a:pPr marL="457200" marR="0" lvl="0" indent="-342900" algn="just" rtl="0">
+              <a:lnSpc>
+                <a:spcPct val="150000"/>
+              </a:lnSpc>
+              <a:spcBef>
+                <a:spcPts val="0"/>
+              </a:spcBef>
+              <a:spcAft>
+                <a:spcPts val="0"/>
+              </a:spcAft>
+              <a:buClrTx/>
+              <a:buSzPts val="1800"/>
+              <a:buFont typeface="+mj-lt"/>
+              <a:buAutoNum type="arabicPeriod"/>
+            </a:pPr>
+            <a:endParaRPr lang="en-US" altLang="ko-KR" sz="1600" dirty="0"/>
           </a:p>
           <a:p>
             <a:pPr marL="114300" marR="0" lvl="0" algn="just" rtl="0">
@@ -4249,330 +4769,10 @@
               <a:spcAft>
                 <a:spcPts val="0"/>
               </a:spcAft>
-              <a:buClr>
-                <a:srgbClr val="0070C0"/>
-              </a:buClr>
+              <a:buClrTx/>
               <a:buSzPts val="1800"/>
             </a:pPr>
-            <a:endParaRPr lang="en-US" altLang="ko-KR" sz="1800" b="1" dirty="0">
-              <a:solidFill>
-                <a:schemeClr val="tx1">
-                  <a:lumMod val="95000"/>
-                  <a:lumOff val="5000"/>
-                </a:schemeClr>
-              </a:solidFill>
-            </a:endParaRPr>
-          </a:p>
-          <a:p>
-            <a:pPr marL="114300" marR="0" lvl="0" algn="just" rtl="0">
-              <a:lnSpc>
-                <a:spcPct val="150000"/>
-              </a:lnSpc>
-              <a:spcBef>
-                <a:spcPts val="0"/>
-              </a:spcBef>
-              <a:spcAft>
-                <a:spcPts val="0"/>
-              </a:spcAft>
-              <a:buClr>
-                <a:srgbClr val="0070C0"/>
-              </a:buClr>
-              <a:buSzPts val="1800"/>
-            </a:pPr>
-            <a:r>
-              <a:rPr lang="en-US" altLang="ko-KR" sz="1800" b="1" dirty="0">
-                <a:solidFill>
-                  <a:schemeClr val="tx1">
-                    <a:lumMod val="95000"/>
-                    <a:lumOff val="5000"/>
-                  </a:schemeClr>
-                </a:solidFill>
-              </a:rPr>
-              <a:t>2.1.3 </a:t>
-            </a:r>
-            <a:r>
-              <a:rPr lang="ko-KR" altLang="en-US" sz="1800" b="1" dirty="0">
-                <a:solidFill>
-                  <a:schemeClr val="tx1">
-                    <a:lumMod val="95000"/>
-                    <a:lumOff val="5000"/>
-                  </a:schemeClr>
-                </a:solidFill>
-              </a:rPr>
-              <a:t>크기와 품질 </a:t>
-            </a:r>
-            <a:r>
-              <a:rPr lang="en-US" altLang="ko-KR" sz="1800" b="1" dirty="0">
-                <a:solidFill>
-                  <a:schemeClr val="tx1">
-                    <a:lumMod val="95000"/>
-                    <a:lumOff val="5000"/>
-                  </a:schemeClr>
-                </a:solidFill>
-              </a:rPr>
-              <a:t>: </a:t>
-            </a:r>
-            <a:r>
-              <a:rPr lang="ko-KR" altLang="en-US" sz="1800" b="1" dirty="0">
-                <a:solidFill>
-                  <a:schemeClr val="tx1">
-                    <a:lumMod val="95000"/>
-                    <a:lumOff val="5000"/>
-                  </a:schemeClr>
-                </a:solidFill>
-              </a:rPr>
-              <a:t>크기는 언제 </a:t>
-            </a:r>
-            <a:r>
-              <a:rPr lang="ko-KR" altLang="en-US" sz="1800" b="1" dirty="0" err="1">
-                <a:solidFill>
-                  <a:schemeClr val="tx1">
-                    <a:lumMod val="95000"/>
-                    <a:lumOff val="5000"/>
-                  </a:schemeClr>
-                </a:solidFill>
-              </a:rPr>
-              <a:t>중요해질까</a:t>
-            </a:r>
-            <a:r>
-              <a:rPr lang="en-US" altLang="ko-KR" sz="1800" b="1" dirty="0">
-                <a:solidFill>
-                  <a:schemeClr val="tx1">
-                    <a:lumMod val="95000"/>
-                    <a:lumOff val="5000"/>
-                  </a:schemeClr>
-                </a:solidFill>
-              </a:rPr>
-              <a:t>?</a:t>
-            </a:r>
-          </a:p>
-          <a:p>
-            <a:pPr marL="400050" marR="0" lvl="0" indent="-285750" algn="just" rtl="0">
-              <a:lnSpc>
-                <a:spcPct val="150000"/>
-              </a:lnSpc>
-              <a:spcBef>
-                <a:spcPts val="0"/>
-              </a:spcBef>
-              <a:spcAft>
-                <a:spcPts val="0"/>
-              </a:spcAft>
-              <a:buClrTx/>
-              <a:buSzPts val="1800"/>
-              <a:buFont typeface="Arial" panose="020B0604020202020204" pitchFamily="34" charset="0"/>
-              <a:buChar char="•"/>
-            </a:pPr>
-            <a:r>
-              <a:rPr lang="ko-KR" altLang="en-US" sz="1800" b="1" dirty="0">
-                <a:solidFill>
-                  <a:schemeClr val="tx1">
-                    <a:lumMod val="95000"/>
-                    <a:lumOff val="5000"/>
-                  </a:schemeClr>
-                </a:solidFill>
-              </a:rPr>
-              <a:t>크기가 적을 때 </a:t>
-            </a:r>
-            <a:r>
-              <a:rPr lang="en-US" altLang="ko-KR" sz="1800" dirty="0">
-                <a:solidFill>
-                  <a:schemeClr val="tx1">
-                    <a:lumMod val="95000"/>
-                    <a:lumOff val="5000"/>
-                  </a:schemeClr>
-                </a:solidFill>
-              </a:rPr>
-              <a:t>: </a:t>
-            </a:r>
-            <a:r>
-              <a:rPr lang="ko-KR" altLang="en-US" sz="1800" dirty="0">
-                <a:solidFill>
-                  <a:schemeClr val="tx1">
-                    <a:lumMod val="95000"/>
-                    <a:lumOff val="5000"/>
-                  </a:schemeClr>
-                </a:solidFill>
-              </a:rPr>
-              <a:t>품질에 더 집중할 수 있다</a:t>
-            </a:r>
-            <a:r>
-              <a:rPr lang="en-US" altLang="ko-KR" sz="1800" dirty="0">
-                <a:solidFill>
-                  <a:schemeClr val="tx1">
-                    <a:lumMod val="95000"/>
-                    <a:lumOff val="5000"/>
-                  </a:schemeClr>
-                </a:solidFill>
-              </a:rPr>
-              <a:t>. </a:t>
-            </a:r>
-            <a:r>
-              <a:rPr lang="ko-KR" altLang="en-US" sz="1800" dirty="0" err="1">
-                <a:solidFill>
-                  <a:schemeClr val="tx1">
-                    <a:lumMod val="95000"/>
-                    <a:lumOff val="5000"/>
-                  </a:schemeClr>
-                </a:solidFill>
-              </a:rPr>
-              <a:t>결측값이나</a:t>
-            </a:r>
-            <a:r>
-              <a:rPr lang="ko-KR" altLang="en-US" sz="1800" dirty="0">
-                <a:solidFill>
-                  <a:schemeClr val="tx1">
-                    <a:lumMod val="95000"/>
-                    <a:lumOff val="5000"/>
-                  </a:schemeClr>
-                </a:solidFill>
-              </a:rPr>
-              <a:t> </a:t>
-            </a:r>
-            <a:r>
-              <a:rPr lang="ko-KR" altLang="en-US" sz="1800" dirty="0" err="1">
-                <a:solidFill>
-                  <a:schemeClr val="tx1">
-                    <a:lumMod val="95000"/>
-                    <a:lumOff val="5000"/>
-                  </a:schemeClr>
-                </a:solidFill>
-              </a:rPr>
-              <a:t>특잇값으로부터</a:t>
-            </a:r>
-            <a:r>
-              <a:rPr lang="ko-KR" altLang="en-US" sz="1800" dirty="0">
-                <a:solidFill>
-                  <a:schemeClr val="tx1">
-                    <a:lumMod val="95000"/>
-                    <a:lumOff val="5000"/>
-                  </a:schemeClr>
-                </a:solidFill>
-              </a:rPr>
-              <a:t> 유용한 정보를 얻을 수 있다</a:t>
-            </a:r>
-            <a:r>
-              <a:rPr lang="en-US" altLang="ko-KR" sz="1800" dirty="0">
-                <a:solidFill>
-                  <a:schemeClr val="tx1">
-                    <a:lumMod val="95000"/>
-                    <a:lumOff val="5000"/>
-                  </a:schemeClr>
-                </a:solidFill>
-              </a:rPr>
-              <a:t>.</a:t>
-            </a:r>
-          </a:p>
-          <a:p>
-            <a:pPr marL="400050" marR="0" lvl="0" indent="-285750" algn="just" rtl="0">
-              <a:lnSpc>
-                <a:spcPct val="150000"/>
-              </a:lnSpc>
-              <a:spcBef>
-                <a:spcPts val="0"/>
-              </a:spcBef>
-              <a:spcAft>
-                <a:spcPts val="0"/>
-              </a:spcAft>
-              <a:buClrTx/>
-              <a:buSzPts val="1800"/>
-              <a:buFont typeface="Arial" panose="020B0604020202020204" pitchFamily="34" charset="0"/>
-              <a:buChar char="•"/>
-            </a:pPr>
-            <a:r>
-              <a:rPr lang="ko-KR" altLang="en-US" sz="1800" b="1" dirty="0">
-                <a:solidFill>
-                  <a:schemeClr val="tx1">
-                    <a:lumMod val="95000"/>
-                    <a:lumOff val="5000"/>
-                  </a:schemeClr>
-                </a:solidFill>
-              </a:rPr>
-              <a:t>크기가 클 때</a:t>
-            </a:r>
-            <a:r>
-              <a:rPr lang="ko-KR" altLang="en-US" sz="1800" dirty="0">
-                <a:solidFill>
-                  <a:schemeClr val="tx1">
-                    <a:lumMod val="95000"/>
-                    <a:lumOff val="5000"/>
-                  </a:schemeClr>
-                </a:solidFill>
-              </a:rPr>
-              <a:t> </a:t>
-            </a:r>
-            <a:r>
-              <a:rPr lang="en-US" altLang="ko-KR" sz="1800" dirty="0">
-                <a:solidFill>
-                  <a:schemeClr val="tx1">
-                    <a:lumMod val="95000"/>
-                    <a:lumOff val="5000"/>
-                  </a:schemeClr>
-                </a:solidFill>
-              </a:rPr>
-              <a:t>: </a:t>
-            </a:r>
-            <a:r>
-              <a:rPr lang="ko-KR" altLang="en-US" sz="1800" dirty="0">
-                <a:solidFill>
-                  <a:schemeClr val="tx1">
-                    <a:lumMod val="95000"/>
-                    <a:lumOff val="5000"/>
-                  </a:schemeClr>
-                </a:solidFill>
-              </a:rPr>
-              <a:t>유용한 결과를 얻을 수 있다</a:t>
-            </a:r>
-            <a:r>
-              <a:rPr lang="en-US" altLang="ko-KR" sz="1800" dirty="0">
-                <a:solidFill>
-                  <a:schemeClr val="tx1">
-                    <a:lumMod val="95000"/>
-                    <a:lumOff val="5000"/>
-                  </a:schemeClr>
-                </a:solidFill>
-              </a:rPr>
-              <a:t>. </a:t>
-            </a:r>
-            <a:r>
-              <a:rPr lang="ko-KR" altLang="en-US" sz="1800" dirty="0">
-                <a:solidFill>
-                  <a:schemeClr val="tx1">
-                    <a:lumMod val="95000"/>
-                    <a:lumOff val="5000"/>
-                  </a:schemeClr>
-                </a:solidFill>
-              </a:rPr>
-              <a:t>수천 개 정도만 돼도 효과적일 수 있다</a:t>
-            </a:r>
-            <a:r>
-              <a:rPr lang="en-US" altLang="ko-KR" sz="1800" dirty="0">
-                <a:solidFill>
-                  <a:schemeClr val="tx1">
-                    <a:lumMod val="95000"/>
-                    <a:lumOff val="5000"/>
-                  </a:schemeClr>
-                </a:solidFill>
-              </a:rPr>
-              <a:t>.</a:t>
-            </a:r>
-          </a:p>
-          <a:p>
-            <a:pPr marL="114300" marR="0" lvl="0" algn="just" rtl="0">
-              <a:lnSpc>
-                <a:spcPct val="150000"/>
-              </a:lnSpc>
-              <a:spcBef>
-                <a:spcPts val="0"/>
-              </a:spcBef>
-              <a:spcAft>
-                <a:spcPts val="0"/>
-              </a:spcAft>
-              <a:buClr>
-                <a:srgbClr val="0070C0"/>
-              </a:buClr>
-              <a:buSzPts val="1800"/>
-            </a:pPr>
-            <a:endParaRPr lang="en-US" altLang="ko-KR" sz="1800" b="1" dirty="0">
+            <a:endParaRPr lang="en-US" altLang="ko-KR" sz="1600" dirty="0">
               <a:solidFill>
                 <a:schemeClr val="tx1">
                   <a:lumMod val="95000"/>
@@ -4583,7 +4783,862 @@
           </a:p>
         </p:txBody>
       </p:sp>
+      <p:pic>
+        <p:nvPicPr>
+          <p:cNvPr id="3" name="그림 2">
+            <a:extLst>
+              <a:ext uri="{FF2B5EF4-FFF2-40B4-BE49-F238E27FC236}">
+                <a16:creationId xmlns:a16="http://schemas.microsoft.com/office/drawing/2014/main" id="{83E880D8-38C3-4243-9E15-244C2389F4CD}"/>
+              </a:ext>
+            </a:extLst>
+          </p:cNvPr>
+          <p:cNvPicPr>
+            <a:picLocks noChangeAspect="1"/>
+          </p:cNvPicPr>
+          <p:nvPr/>
+        </p:nvPicPr>
+        <p:blipFill rotWithShape="1">
+          <a:blip r:embed="rId3"/>
+          <a:srcRect l="14803" t="6091" r="7216" b="4617"/>
+          <a:stretch/>
+        </p:blipFill>
+        <p:spPr>
+          <a:xfrm>
+            <a:off x="6533322" y="1046922"/>
+            <a:ext cx="3101009" cy="2981739"/>
+          </a:xfrm>
+          <a:prstGeom prst="rect">
+            <a:avLst/>
+          </a:prstGeom>
+        </p:spPr>
+      </p:pic>
+      <p:pic>
+        <p:nvPicPr>
+          <p:cNvPr id="8" name="그림 7">
+            <a:extLst>
+              <a:ext uri="{FF2B5EF4-FFF2-40B4-BE49-F238E27FC236}">
+                <a16:creationId xmlns:a16="http://schemas.microsoft.com/office/drawing/2014/main" id="{849A14FB-B9BF-4722-96C1-C59BDD365262}"/>
+              </a:ext>
+            </a:extLst>
+          </p:cNvPr>
+          <p:cNvPicPr>
+            <a:picLocks noChangeAspect="1"/>
+          </p:cNvPicPr>
+          <p:nvPr/>
+        </p:nvPicPr>
+        <p:blipFill>
+          <a:blip r:embed="rId4"/>
+          <a:stretch>
+            <a:fillRect/>
+          </a:stretch>
+        </p:blipFill>
+        <p:spPr>
+          <a:xfrm>
+            <a:off x="1450687" y="3473198"/>
+            <a:ext cx="4829849" cy="3000794"/>
+          </a:xfrm>
+          <a:prstGeom prst="rect">
+            <a:avLst/>
+          </a:prstGeom>
+        </p:spPr>
+      </p:pic>
     </p:spTree>
+    <p:extLst>
+      <p:ext uri="{BB962C8B-B14F-4D97-AF65-F5344CB8AC3E}">
+        <p14:creationId xmlns:p14="http://schemas.microsoft.com/office/powerpoint/2010/main" val="2655589011"/>
+      </p:ext>
+    </p:extLst>
+  </p:cSld>
+  <p:clrMapOvr>
+    <a:masterClrMapping/>
+  </p:clrMapOvr>
+</p:sld>
+</file>
+
+<file path=ppt/slides/slide2.xml><?xml version="1.0" encoding="utf-8"?>
+<p:sld xmlns:a="http://schemas.openxmlformats.org/drawingml/2006/main" xmlns:r="http://schemas.openxmlformats.org/officeDocument/2006/relationships" xmlns:p="http://schemas.openxmlformats.org/presentationml/2006/main">
+  <p:cSld>
+    <p:spTree>
+      <p:nvGrpSpPr>
+        <p:cNvPr id="1" name="Shape 28"/>
+        <p:cNvGrpSpPr/>
+        <p:nvPr/>
+      </p:nvGrpSpPr>
+      <p:grpSpPr>
+        <a:xfrm>
+          <a:off x="0" y="0"/>
+          <a:ext cx="0" cy="0"/>
+          <a:chOff x="0" y="0"/>
+          <a:chExt cx="0" cy="0"/>
+        </a:xfrm>
+      </p:grpSpPr>
+      <p:pic>
+        <p:nvPicPr>
+          <p:cNvPr id="3" name="그림 2">
+            <a:extLst>
+              <a:ext uri="{FF2B5EF4-FFF2-40B4-BE49-F238E27FC236}">
+                <a16:creationId xmlns:a16="http://schemas.microsoft.com/office/drawing/2014/main" id="{6555BE49-76EC-436C-A775-B58C8637AA8F}"/>
+              </a:ext>
+            </a:extLst>
+          </p:cNvPr>
+          <p:cNvPicPr>
+            <a:picLocks noChangeAspect="1"/>
+          </p:cNvPicPr>
+          <p:nvPr/>
+        </p:nvPicPr>
+        <p:blipFill>
+          <a:blip r:embed="rId3"/>
+          <a:stretch>
+            <a:fillRect/>
+          </a:stretch>
+        </p:blipFill>
+        <p:spPr>
+          <a:xfrm>
+            <a:off x="5608065" y="820769"/>
+            <a:ext cx="4091988" cy="2639123"/>
+          </a:xfrm>
+          <a:prstGeom prst="rect">
+            <a:avLst/>
+          </a:prstGeom>
+        </p:spPr>
+      </p:pic>
+      <p:sp>
+        <p:nvSpPr>
+          <p:cNvPr id="29" name="Google Shape;29;p2"/>
+          <p:cNvSpPr txBox="1"/>
+          <p:nvPr/>
+        </p:nvSpPr>
+        <p:spPr>
+          <a:xfrm>
+            <a:off x="9253406" y="200997"/>
+            <a:ext cx="530727" cy="296664"/>
+          </a:xfrm>
+          <a:prstGeom prst="rect">
+            <a:avLst/>
+          </a:prstGeom>
+          <a:noFill/>
+          <a:ln>
+            <a:noFill/>
+          </a:ln>
+        </p:spPr>
+        <p:txBody>
+          <a:bodyPr spcFirstLastPara="1" wrap="square" lIns="74275" tIns="37125" rIns="74275" bIns="37125" anchor="ctr" anchorCtr="0">
+            <a:noAutofit/>
+          </a:bodyPr>
+          <a:lstStyle/>
+          <a:p>
+            <a:pPr marL="0" marR="0" lvl="0" indent="0" algn="r" rtl="0">
+              <a:spcBef>
+                <a:spcPts val="0"/>
+              </a:spcBef>
+              <a:spcAft>
+                <a:spcPts val="0"/>
+              </a:spcAft>
+              <a:buNone/>
+            </a:pPr>
+            <a:fld id="{00000000-1234-1234-1234-123412341234}" type="slidenum">
+              <a:rPr lang="en-US" altLang="ko-KR" sz="1300" b="1" u="none">
+                <a:solidFill>
+                  <a:srgbClr val="7F7F7F"/>
+                </a:solidFill>
+                <a:latin typeface="Arial"/>
+                <a:ea typeface="Arial"/>
+                <a:cs typeface="Arial"/>
+                <a:sym typeface="Arial"/>
+              </a:rPr>
+              <a:t>2</a:t>
+            </a:fld>
+            <a:endParaRPr sz="1300" b="1" u="none">
+              <a:solidFill>
+                <a:srgbClr val="7F7F7F"/>
+              </a:solidFill>
+              <a:latin typeface="Arial"/>
+              <a:ea typeface="Arial"/>
+              <a:cs typeface="Arial"/>
+              <a:sym typeface="Arial"/>
+            </a:endParaRPr>
+          </a:p>
+        </p:txBody>
+      </p:sp>
+      <p:sp>
+        <p:nvSpPr>
+          <p:cNvPr id="30" name="Google Shape;30;p2"/>
+          <p:cNvSpPr txBox="1"/>
+          <p:nvPr/>
+        </p:nvSpPr>
+        <p:spPr>
+          <a:xfrm>
+            <a:off x="278116" y="156948"/>
+            <a:ext cx="8910300" cy="831000"/>
+          </a:xfrm>
+          <a:prstGeom prst="rect">
+            <a:avLst/>
+          </a:prstGeom>
+          <a:noFill/>
+          <a:ln>
+            <a:noFill/>
+          </a:ln>
+        </p:spPr>
+        <p:txBody>
+          <a:bodyPr spcFirstLastPara="1" wrap="square" lIns="91425" tIns="45700" rIns="91425" bIns="45700" anchor="t" anchorCtr="0">
+            <a:noAutofit/>
+          </a:bodyPr>
+          <a:lstStyle/>
+          <a:p>
+            <a:pPr marL="0" marR="0" lvl="0" indent="0" algn="ctr" rtl="0">
+              <a:spcBef>
+                <a:spcPts val="0"/>
+              </a:spcBef>
+              <a:spcAft>
+                <a:spcPts val="0"/>
+              </a:spcAft>
+              <a:buNone/>
+            </a:pPr>
+            <a:r>
+              <a:rPr lang="ko-KR" sz="1800" dirty="0">
+                <a:solidFill>
+                  <a:schemeClr val="dk1"/>
+                </a:solidFill>
+              </a:rPr>
+              <a:t>데이터 과학을 위한 통계  - 발표자: </a:t>
+            </a:r>
+            <a:r>
+              <a:rPr lang="ko-KR" altLang="en-US" sz="1800" dirty="0">
+                <a:solidFill>
+                  <a:schemeClr val="dk1"/>
+                </a:solidFill>
+              </a:rPr>
+              <a:t>김동현</a:t>
+            </a:r>
+            <a:endParaRPr sz="1800" dirty="0"/>
+          </a:p>
+        </p:txBody>
+      </p:sp>
+      <p:sp>
+        <p:nvSpPr>
+          <p:cNvPr id="31" name="Google Shape;31;p2"/>
+          <p:cNvSpPr txBox="1"/>
+          <p:nvPr/>
+        </p:nvSpPr>
+        <p:spPr>
+          <a:xfrm>
+            <a:off x="221845" y="640425"/>
+            <a:ext cx="9500100" cy="369300"/>
+          </a:xfrm>
+          <a:prstGeom prst="rect">
+            <a:avLst/>
+          </a:prstGeom>
+          <a:noFill/>
+          <a:ln>
+            <a:noFill/>
+          </a:ln>
+        </p:spPr>
+        <p:txBody>
+          <a:bodyPr spcFirstLastPara="1" wrap="square" lIns="91425" tIns="45700" rIns="91425" bIns="45700" anchor="t" anchorCtr="0">
+            <a:noAutofit/>
+          </a:bodyPr>
+          <a:lstStyle/>
+          <a:p>
+            <a:pPr marL="0" marR="0" lvl="0" indent="0" algn="ctr" rtl="0">
+              <a:spcBef>
+                <a:spcPts val="0"/>
+              </a:spcBef>
+              <a:spcAft>
+                <a:spcPts val="0"/>
+              </a:spcAft>
+              <a:buNone/>
+            </a:pPr>
+            <a:r>
+              <a:rPr lang="ko-KR" sz="1800" b="1">
+                <a:solidFill>
+                  <a:schemeClr val="dk1"/>
+                </a:solidFill>
+              </a:rPr>
+              <a:t>Chapter 1. 탐색적 데이터 분석</a:t>
+            </a:r>
+            <a:endParaRPr/>
+          </a:p>
+        </p:txBody>
+      </p:sp>
+      <p:sp>
+        <p:nvSpPr>
+          <p:cNvPr id="8" name="TextBox 7">
+            <a:extLst>
+              <a:ext uri="{FF2B5EF4-FFF2-40B4-BE49-F238E27FC236}">
+                <a16:creationId xmlns:a16="http://schemas.microsoft.com/office/drawing/2014/main" id="{DE9A71DD-D990-4E56-9E57-50C7C4AE0CDB}"/>
+              </a:ext>
+            </a:extLst>
+          </p:cNvPr>
+          <p:cNvSpPr txBox="1"/>
+          <p:nvPr/>
+        </p:nvSpPr>
+        <p:spPr>
+          <a:xfrm>
+            <a:off x="0" y="1114072"/>
+            <a:ext cx="5535827" cy="3000950"/>
+          </a:xfrm>
+          <a:prstGeom prst="rect">
+            <a:avLst/>
+          </a:prstGeom>
+          <a:noFill/>
+        </p:spPr>
+        <p:txBody>
+          <a:bodyPr wrap="square" rtlCol="0">
+            <a:spAutoFit/>
+          </a:bodyPr>
+          <a:lstStyle/>
+          <a:p>
+            <a:pPr marL="342900" indent="-342900">
+              <a:lnSpc>
+                <a:spcPct val="150000"/>
+              </a:lnSpc>
+              <a:buFont typeface="+mj-lt"/>
+              <a:buAutoNum type="arabicPeriod" startAt="2"/>
+            </a:pPr>
+            <a:r>
+              <a:rPr lang="ko-KR" altLang="en-US" sz="1600" b="1" dirty="0"/>
+              <a:t>계통추출법</a:t>
+            </a:r>
+            <a:r>
+              <a:rPr lang="ko-KR" altLang="en-US" sz="1600" dirty="0"/>
+              <a:t> </a:t>
+            </a:r>
+            <a:r>
+              <a:rPr lang="en-US" altLang="ko-KR" sz="1600" dirty="0"/>
+              <a:t>: </a:t>
+            </a:r>
+            <a:r>
+              <a:rPr lang="ko-KR" altLang="en-US" sz="1600" dirty="0"/>
+              <a:t>첫 번째 요소를 무작위로 선정한 후 목록의 매번 </a:t>
+            </a:r>
+            <a:r>
+              <a:rPr lang="en-US" altLang="ko-KR" sz="1600" dirty="0"/>
+              <a:t>k</a:t>
+            </a:r>
+            <a:r>
+              <a:rPr lang="ko-KR" altLang="en-US" sz="1600" dirty="0"/>
+              <a:t>번째 요소를 표본으로 선정하는 </a:t>
+            </a:r>
+            <a:r>
+              <a:rPr lang="ko-KR" altLang="en-US" sz="1600" dirty="0" err="1"/>
+              <a:t>표집방법</a:t>
+            </a:r>
+            <a:r>
+              <a:rPr lang="en-US" altLang="ko-KR" sz="1600" dirty="0"/>
+              <a:t>.</a:t>
+            </a:r>
+            <a:r>
+              <a:rPr lang="ko-KR" altLang="en-US" sz="1600" dirty="0"/>
+              <a:t> </a:t>
+            </a:r>
+            <a:r>
+              <a:rPr lang="en-US" altLang="ko-KR" sz="1600" dirty="0"/>
+              <a:t>K=N/n(N:</a:t>
+            </a:r>
+            <a:r>
+              <a:rPr lang="ko-KR" altLang="en-US" sz="1600" dirty="0"/>
+              <a:t>모집단의 크기</a:t>
+            </a:r>
+            <a:r>
+              <a:rPr lang="en-US" altLang="ko-KR" sz="1600" dirty="0"/>
+              <a:t>, n:</a:t>
+            </a:r>
+            <a:r>
+              <a:rPr lang="ko-KR" altLang="en-US" sz="1600" dirty="0"/>
+              <a:t>표본의 크기</a:t>
+            </a:r>
+            <a:r>
+              <a:rPr lang="en-US" altLang="ko-KR" sz="1600" dirty="0"/>
+              <a:t>, k:</a:t>
+            </a:r>
+            <a:r>
+              <a:rPr lang="ko-KR" altLang="en-US" sz="1600" dirty="0" err="1"/>
+              <a:t>표집간격</a:t>
+            </a:r>
+            <a:r>
+              <a:rPr lang="en-US" altLang="ko-KR" sz="1600" dirty="0"/>
+              <a:t> ).</a:t>
+            </a:r>
+          </a:p>
+          <a:p>
+            <a:pPr marL="342900" indent="-342900">
+              <a:lnSpc>
+                <a:spcPct val="150000"/>
+              </a:lnSpc>
+              <a:buFont typeface="+mj-lt"/>
+              <a:buAutoNum type="arabicPeriod" startAt="2"/>
+            </a:pPr>
+            <a:endParaRPr lang="en-US" altLang="ko-KR" sz="1600" b="1" dirty="0"/>
+          </a:p>
+          <a:p>
+            <a:pPr marL="342900" indent="-342900">
+              <a:lnSpc>
+                <a:spcPct val="150000"/>
+              </a:lnSpc>
+              <a:buFont typeface="+mj-lt"/>
+              <a:buAutoNum type="arabicPeriod" startAt="2"/>
+            </a:pPr>
+            <a:r>
+              <a:rPr lang="ko-KR" altLang="en-US" sz="1600" b="1" dirty="0" err="1"/>
+              <a:t>집락</a:t>
+            </a:r>
+            <a:r>
+              <a:rPr lang="ko-KR" altLang="en-US" sz="1600" b="1" dirty="0"/>
+              <a:t> 추출법</a:t>
+            </a:r>
+            <a:r>
+              <a:rPr lang="ko-KR" altLang="en-US" sz="1600" dirty="0"/>
+              <a:t> </a:t>
+            </a:r>
+            <a:r>
+              <a:rPr lang="en-US" altLang="ko-KR" sz="1600" dirty="0"/>
+              <a:t>: </a:t>
+            </a:r>
+            <a:r>
+              <a:rPr lang="ko-KR" altLang="en-US" sz="1600" dirty="0"/>
+              <a:t>먼저 </a:t>
+            </a:r>
+            <a:r>
+              <a:rPr lang="ko-KR" altLang="en-US" sz="1600" dirty="0" err="1"/>
+              <a:t>집락을</a:t>
+            </a:r>
+            <a:r>
+              <a:rPr lang="ko-KR" altLang="en-US" sz="1600" dirty="0"/>
+              <a:t> 추출</a:t>
+            </a:r>
+            <a:r>
+              <a:rPr lang="en-US" altLang="ko-KR" sz="1600" dirty="0"/>
+              <a:t>,</a:t>
+            </a:r>
+            <a:r>
+              <a:rPr lang="ko-KR" altLang="en-US" sz="1600" dirty="0"/>
+              <a:t> 추출된 </a:t>
+            </a:r>
+            <a:r>
+              <a:rPr lang="ko-KR" altLang="en-US" sz="1600" dirty="0" err="1"/>
+              <a:t>집락</a:t>
+            </a:r>
+            <a:r>
+              <a:rPr lang="ko-KR" altLang="en-US" sz="1600" dirty="0"/>
+              <a:t> 내의 일부 또는 전체를 조사하는 방법</a:t>
+            </a:r>
+            <a:r>
+              <a:rPr lang="en-US" altLang="ko-KR" sz="1600" dirty="0"/>
+              <a:t>.</a:t>
+            </a:r>
+            <a:r>
+              <a:rPr lang="ko-KR" altLang="en-US" sz="1600" dirty="0"/>
+              <a:t> </a:t>
+            </a:r>
+            <a:r>
+              <a:rPr lang="ko-KR" altLang="en-US" sz="1600" dirty="0" err="1"/>
+              <a:t>집락간에는</a:t>
+            </a:r>
+            <a:r>
+              <a:rPr lang="ko-KR" altLang="en-US" sz="1600" dirty="0"/>
+              <a:t> 동질적</a:t>
+            </a:r>
+            <a:r>
+              <a:rPr lang="en-US" altLang="ko-KR" sz="1600" dirty="0"/>
+              <a:t>, </a:t>
+            </a:r>
+            <a:r>
+              <a:rPr lang="ko-KR" altLang="en-US" sz="1600" dirty="0" err="1"/>
+              <a:t>집락</a:t>
+            </a:r>
+            <a:r>
+              <a:rPr lang="ko-KR" altLang="en-US" sz="1600" dirty="0"/>
+              <a:t> 내에서는 </a:t>
+            </a:r>
+            <a:r>
+              <a:rPr lang="ko-KR" altLang="en-US" sz="1600" dirty="0" err="1"/>
+              <a:t>이직적일</a:t>
+            </a:r>
+            <a:r>
+              <a:rPr lang="ko-KR" altLang="en-US" sz="1600" dirty="0"/>
+              <a:t> 때 효율적</a:t>
+            </a:r>
+            <a:endParaRPr lang="en-US" altLang="ko-KR" sz="1600" dirty="0"/>
+          </a:p>
+        </p:txBody>
+      </p:sp>
+      <p:pic>
+        <p:nvPicPr>
+          <p:cNvPr id="5" name="그림 4">
+            <a:extLst>
+              <a:ext uri="{FF2B5EF4-FFF2-40B4-BE49-F238E27FC236}">
+                <a16:creationId xmlns:a16="http://schemas.microsoft.com/office/drawing/2014/main" id="{BBF48C10-5107-4585-86D1-FC159FBF51EF}"/>
+              </a:ext>
+            </a:extLst>
+          </p:cNvPr>
+          <p:cNvPicPr>
+            <a:picLocks noChangeAspect="1"/>
+          </p:cNvPicPr>
+          <p:nvPr/>
+        </p:nvPicPr>
+        <p:blipFill>
+          <a:blip r:embed="rId4"/>
+          <a:stretch>
+            <a:fillRect/>
+          </a:stretch>
+        </p:blipFill>
+        <p:spPr>
+          <a:xfrm>
+            <a:off x="5568341" y="3658128"/>
+            <a:ext cx="4201734" cy="2816812"/>
+          </a:xfrm>
+          <a:prstGeom prst="rect">
+            <a:avLst/>
+          </a:prstGeom>
+        </p:spPr>
+      </p:pic>
+    </p:spTree>
+  </p:cSld>
+  <p:clrMapOvr>
+    <a:masterClrMapping/>
+  </p:clrMapOvr>
+</p:sld>
+</file>
+
+<file path=ppt/slides/slide3.xml><?xml version="1.0" encoding="utf-8"?>
+<p:sld xmlns:a="http://schemas.openxmlformats.org/drawingml/2006/main" xmlns:r="http://schemas.openxmlformats.org/officeDocument/2006/relationships" xmlns:p="http://schemas.openxmlformats.org/presentationml/2006/main">
+  <p:cSld>
+    <p:spTree>
+      <p:nvGrpSpPr>
+        <p:cNvPr id="1" name="Shape 28"/>
+        <p:cNvGrpSpPr/>
+        <p:nvPr/>
+      </p:nvGrpSpPr>
+      <p:grpSpPr>
+        <a:xfrm>
+          <a:off x="0" y="0"/>
+          <a:ext cx="0" cy="0"/>
+          <a:chOff x="0" y="0"/>
+          <a:chExt cx="0" cy="0"/>
+        </a:xfrm>
+      </p:grpSpPr>
+      <p:pic>
+        <p:nvPicPr>
+          <p:cNvPr id="4" name="그림 3">
+            <a:extLst>
+              <a:ext uri="{FF2B5EF4-FFF2-40B4-BE49-F238E27FC236}">
+                <a16:creationId xmlns:a16="http://schemas.microsoft.com/office/drawing/2014/main" id="{936B741E-1B92-41D1-B42A-AAF8E0BDEF09}"/>
+              </a:ext>
+            </a:extLst>
+          </p:cNvPr>
+          <p:cNvPicPr>
+            <a:picLocks noChangeAspect="1"/>
+          </p:cNvPicPr>
+          <p:nvPr/>
+        </p:nvPicPr>
+        <p:blipFill>
+          <a:blip r:embed="rId3"/>
+          <a:stretch>
+            <a:fillRect/>
+          </a:stretch>
+        </p:blipFill>
+        <p:spPr>
+          <a:xfrm>
+            <a:off x="5946736" y="870063"/>
+            <a:ext cx="3555610" cy="2886392"/>
+          </a:xfrm>
+          <a:prstGeom prst="rect">
+            <a:avLst/>
+          </a:prstGeom>
+        </p:spPr>
+      </p:pic>
+      <p:sp>
+        <p:nvSpPr>
+          <p:cNvPr id="29" name="Google Shape;29;p2"/>
+          <p:cNvSpPr txBox="1"/>
+          <p:nvPr/>
+        </p:nvSpPr>
+        <p:spPr>
+          <a:xfrm>
+            <a:off x="9253406" y="200997"/>
+            <a:ext cx="530727" cy="296664"/>
+          </a:xfrm>
+          <a:prstGeom prst="rect">
+            <a:avLst/>
+          </a:prstGeom>
+          <a:noFill/>
+          <a:ln>
+            <a:noFill/>
+          </a:ln>
+        </p:spPr>
+        <p:txBody>
+          <a:bodyPr spcFirstLastPara="1" wrap="square" lIns="74275" tIns="37125" rIns="74275" bIns="37125" anchor="ctr" anchorCtr="0">
+            <a:noAutofit/>
+          </a:bodyPr>
+          <a:lstStyle/>
+          <a:p>
+            <a:pPr marL="0" marR="0" lvl="0" indent="0" algn="r" rtl="0">
+              <a:spcBef>
+                <a:spcPts val="0"/>
+              </a:spcBef>
+              <a:spcAft>
+                <a:spcPts val="0"/>
+              </a:spcAft>
+              <a:buNone/>
+            </a:pPr>
+            <a:fld id="{00000000-1234-1234-1234-123412341234}" type="slidenum">
+              <a:rPr lang="en-US" altLang="ko-KR" sz="1300" b="1" u="none">
+                <a:solidFill>
+                  <a:srgbClr val="7F7F7F"/>
+                </a:solidFill>
+                <a:latin typeface="Arial"/>
+                <a:ea typeface="Arial"/>
+                <a:cs typeface="Arial"/>
+                <a:sym typeface="Arial"/>
+              </a:rPr>
+              <a:t>3</a:t>
+            </a:fld>
+            <a:endParaRPr sz="1300" b="1" u="none">
+              <a:solidFill>
+                <a:srgbClr val="7F7F7F"/>
+              </a:solidFill>
+              <a:latin typeface="Arial"/>
+              <a:ea typeface="Arial"/>
+              <a:cs typeface="Arial"/>
+              <a:sym typeface="Arial"/>
+            </a:endParaRPr>
+          </a:p>
+        </p:txBody>
+      </p:sp>
+      <p:sp>
+        <p:nvSpPr>
+          <p:cNvPr id="30" name="Google Shape;30;p2"/>
+          <p:cNvSpPr txBox="1"/>
+          <p:nvPr/>
+        </p:nvSpPr>
+        <p:spPr>
+          <a:xfrm>
+            <a:off x="278116" y="156948"/>
+            <a:ext cx="8910300" cy="831000"/>
+          </a:xfrm>
+          <a:prstGeom prst="rect">
+            <a:avLst/>
+          </a:prstGeom>
+          <a:noFill/>
+          <a:ln>
+            <a:noFill/>
+          </a:ln>
+        </p:spPr>
+        <p:txBody>
+          <a:bodyPr spcFirstLastPara="1" wrap="square" lIns="91425" tIns="45700" rIns="91425" bIns="45700" anchor="t" anchorCtr="0">
+            <a:noAutofit/>
+          </a:bodyPr>
+          <a:lstStyle/>
+          <a:p>
+            <a:pPr marL="0" marR="0" lvl="0" indent="0" algn="ctr" rtl="0">
+              <a:spcBef>
+                <a:spcPts val="0"/>
+              </a:spcBef>
+              <a:spcAft>
+                <a:spcPts val="0"/>
+              </a:spcAft>
+              <a:buNone/>
+            </a:pPr>
+            <a:r>
+              <a:rPr lang="ko-KR" sz="1800" dirty="0">
+                <a:solidFill>
+                  <a:schemeClr val="dk1"/>
+                </a:solidFill>
+              </a:rPr>
+              <a:t>데이터 과학을 위한 통계  - 발표자: </a:t>
+            </a:r>
+            <a:r>
+              <a:rPr lang="ko-KR" altLang="en-US" sz="1800" dirty="0">
+                <a:solidFill>
+                  <a:schemeClr val="dk1"/>
+                </a:solidFill>
+              </a:rPr>
+              <a:t>김동현</a:t>
+            </a:r>
+            <a:endParaRPr sz="1800" dirty="0"/>
+          </a:p>
+        </p:txBody>
+      </p:sp>
+      <p:sp>
+        <p:nvSpPr>
+          <p:cNvPr id="31" name="Google Shape;31;p2"/>
+          <p:cNvSpPr txBox="1"/>
+          <p:nvPr/>
+        </p:nvSpPr>
+        <p:spPr>
+          <a:xfrm>
+            <a:off x="221845" y="640425"/>
+            <a:ext cx="9500100" cy="369300"/>
+          </a:xfrm>
+          <a:prstGeom prst="rect">
+            <a:avLst/>
+          </a:prstGeom>
+          <a:noFill/>
+          <a:ln>
+            <a:noFill/>
+          </a:ln>
+        </p:spPr>
+        <p:txBody>
+          <a:bodyPr spcFirstLastPara="1" wrap="square" lIns="91425" tIns="45700" rIns="91425" bIns="45700" anchor="t" anchorCtr="0">
+            <a:noAutofit/>
+          </a:bodyPr>
+          <a:lstStyle/>
+          <a:p>
+            <a:pPr marL="0" marR="0" lvl="0" indent="0" algn="ctr" rtl="0">
+              <a:spcBef>
+                <a:spcPts val="0"/>
+              </a:spcBef>
+              <a:spcAft>
+                <a:spcPts val="0"/>
+              </a:spcAft>
+              <a:buNone/>
+            </a:pPr>
+            <a:r>
+              <a:rPr lang="ko-KR" sz="1800" b="1">
+                <a:solidFill>
+                  <a:schemeClr val="dk1"/>
+                </a:solidFill>
+              </a:rPr>
+              <a:t>Chapter 1. 탐색적 데이터 분석</a:t>
+            </a:r>
+            <a:endParaRPr/>
+          </a:p>
+        </p:txBody>
+      </p:sp>
+      <p:sp>
+        <p:nvSpPr>
+          <p:cNvPr id="8" name="TextBox 7">
+            <a:extLst>
+              <a:ext uri="{FF2B5EF4-FFF2-40B4-BE49-F238E27FC236}">
+                <a16:creationId xmlns:a16="http://schemas.microsoft.com/office/drawing/2014/main" id="{DE9A71DD-D990-4E56-9E57-50C7C4AE0CDB}"/>
+              </a:ext>
+            </a:extLst>
+          </p:cNvPr>
+          <p:cNvSpPr txBox="1"/>
+          <p:nvPr/>
+        </p:nvSpPr>
+        <p:spPr>
+          <a:xfrm>
+            <a:off x="0" y="1114072"/>
+            <a:ext cx="5894173" cy="3462615"/>
+          </a:xfrm>
+          <a:prstGeom prst="rect">
+            <a:avLst/>
+          </a:prstGeom>
+          <a:noFill/>
+        </p:spPr>
+        <p:txBody>
+          <a:bodyPr wrap="square" rtlCol="0">
+            <a:spAutoFit/>
+          </a:bodyPr>
+          <a:lstStyle/>
+          <a:p>
+            <a:pPr marL="342900" indent="-342900">
+              <a:lnSpc>
+                <a:spcPct val="150000"/>
+              </a:lnSpc>
+              <a:buFont typeface="+mj-lt"/>
+              <a:buAutoNum type="arabicPeriod" startAt="4"/>
+            </a:pPr>
+            <a:r>
+              <a:rPr lang="ko-KR" altLang="en-US" sz="1600" b="1" dirty="0"/>
+              <a:t>층화 추출법</a:t>
+            </a:r>
+            <a:r>
+              <a:rPr lang="ko-KR" altLang="en-US" sz="1600" dirty="0"/>
+              <a:t> </a:t>
+            </a:r>
+            <a:r>
+              <a:rPr lang="en-US" altLang="ko-KR" sz="1600" dirty="0"/>
+              <a:t>: </a:t>
+            </a:r>
+            <a:r>
+              <a:rPr lang="ko-KR" altLang="en-US" sz="1600" dirty="0"/>
+              <a:t>모집단을 먼저 서로 겹치지 않는 여러 개의 층으로 분할한 후</a:t>
+            </a:r>
+            <a:r>
+              <a:rPr lang="en-US" altLang="ko-KR" sz="1600" dirty="0"/>
+              <a:t>, </a:t>
+            </a:r>
+            <a:r>
+              <a:rPr lang="ko-KR" altLang="en-US" sz="1600" dirty="0"/>
+              <a:t>각 층에서 단순 임의추출법에 따라 배정된 표본을 추출하는 방법</a:t>
+            </a:r>
+            <a:endParaRPr lang="en-US" altLang="ko-KR" sz="1600" dirty="0"/>
+          </a:p>
+          <a:p>
+            <a:pPr marL="342900" indent="-342900">
+              <a:lnSpc>
+                <a:spcPct val="150000"/>
+              </a:lnSpc>
+              <a:buFont typeface="+mj-lt"/>
+              <a:buAutoNum type="arabicPeriod" startAt="4"/>
+            </a:pPr>
+            <a:endParaRPr lang="en-US" altLang="ko-KR" sz="1600" dirty="0"/>
+          </a:p>
+          <a:p>
+            <a:pPr>
+              <a:lnSpc>
+                <a:spcPct val="150000"/>
+              </a:lnSpc>
+            </a:pPr>
+            <a:r>
+              <a:rPr lang="en-US" altLang="ko-KR" sz="2000" b="1" dirty="0"/>
+              <a:t>2.1.4 </a:t>
+            </a:r>
+            <a:r>
+              <a:rPr lang="ko-KR" altLang="en-US" sz="2000" b="1" dirty="0"/>
+              <a:t>크기와 품질</a:t>
+            </a:r>
+            <a:endParaRPr lang="en-US" altLang="ko-KR" sz="2000" b="1" dirty="0"/>
+          </a:p>
+          <a:p>
+            <a:pPr marL="285750" indent="-285750">
+              <a:lnSpc>
+                <a:spcPct val="150000"/>
+              </a:lnSpc>
+              <a:buFont typeface="Arial" panose="020B0604020202020204" pitchFamily="34" charset="0"/>
+              <a:buChar char="•"/>
+            </a:pPr>
+            <a:r>
+              <a:rPr lang="ko-KR" altLang="en-US" sz="1600" dirty="0"/>
+              <a:t>데이터의 개수가 적을수록 편향을 줄이고 데이터 품질에 더 집중가능</a:t>
+            </a:r>
+            <a:r>
+              <a:rPr lang="en-US" altLang="ko-KR" sz="1600" dirty="0"/>
+              <a:t> </a:t>
+            </a:r>
+          </a:p>
+          <a:p>
+            <a:pPr marL="285750" indent="-285750">
+              <a:lnSpc>
+                <a:spcPct val="150000"/>
+              </a:lnSpc>
+              <a:buFont typeface="Arial" panose="020B0604020202020204" pitchFamily="34" charset="0"/>
+              <a:buChar char="•"/>
+            </a:pPr>
+            <a:r>
+              <a:rPr lang="ko-KR" altLang="en-US" sz="1600" dirty="0"/>
+              <a:t>데이터의 개수가 적당히 많을 경우 패턴추출에 용이</a:t>
+            </a:r>
+            <a:r>
+              <a:rPr lang="en-US" altLang="ko-KR" sz="1600" dirty="0"/>
+              <a:t>,</a:t>
+            </a:r>
+            <a:r>
+              <a:rPr lang="ko-KR" altLang="en-US" sz="1600" dirty="0"/>
+              <a:t> 너무 많으면 신뢰성이 떨어진다</a:t>
+            </a:r>
+            <a:endParaRPr lang="en-US" altLang="ko-KR" sz="1600" dirty="0"/>
+          </a:p>
+        </p:txBody>
+      </p:sp>
+    </p:spTree>
+    <p:extLst>
+      <p:ext uri="{BB962C8B-B14F-4D97-AF65-F5344CB8AC3E}">
+        <p14:creationId xmlns:p14="http://schemas.microsoft.com/office/powerpoint/2010/main" val="1754557259"/>
+      </p:ext>
+    </p:extLst>
   </p:cSld>
   <p:clrMapOvr>
     <a:masterClrMapping/>

--- a/study/ppt/[스터디]2.1.1~2.1.3_크기와품질_KDH.pptx
+++ b/study/ppt/[스터디]2.1.1~2.1.3_크기와품질_KDH.pptx
@@ -309,7 +309,7 @@
       </p15:sldGuideLst>
     </p:ext>
     <p:ext uri="http://customooxmlschemas.google.com/">
-      <go:slidesCustomData xmlns="" xmlns:mc="http://schemas.openxmlformats.org/markup-compatibility/2006" xmlns:mv="urn:schemas-microsoft-com:mac:vml" xmlns:c="http://schemas.openxmlformats.org/drawingml/2006/chart" xmlns:dgm="http://schemas.openxmlformats.org/drawingml/2006/diagram" xmlns:o="urn:schemas-microsoft-com:office:office" xmlns:v="urn:schemas-microsoft-com:vml" xmlns:pvml="urn:schemas-microsoft-com:office:powerpoint" xmlns:com="http://schemas.openxmlformats.org/drawingml/2006/compatibility" xmlns:p14="http://schemas.microsoft.com/office/powerpoint/2010/main" xmlns:p15="http://schemas.microsoft.com/office/powerpoint/2012/main" xmlns:go="http://customooxmlschemas.google.com/" r:id="rId10" roundtripDataSignature="AMtx7mhva3UHPhQA4WbyUQCroSE+7w+SGg=="/>
+      <go:slidesCustomData xmlns:go="http://customooxmlschemas.google.com/" xmlns:p15="http://schemas.microsoft.com/office/powerpoint/2012/main" xmlns:p14="http://schemas.microsoft.com/office/powerpoint/2010/main" xmlns:com="http://schemas.openxmlformats.org/drawingml/2006/compatibility" xmlns:pvml="urn:schemas-microsoft-com:office:powerpoint" xmlns:v="urn:schemas-microsoft-com:vml" xmlns:o="urn:schemas-microsoft-com:office:office" xmlns:dgm="http://schemas.openxmlformats.org/drawingml/2006/diagram" xmlns:c="http://schemas.openxmlformats.org/drawingml/2006/chart" xmlns:mv="urn:schemas-microsoft-com:mac:vml" xmlns:mc="http://schemas.openxmlformats.org/markup-compatibility/2006" xmlns="" r:id="rId10" roundtripDataSignature="AMtx7mhva3UHPhQA4WbyUQCroSE+7w+SGg=="/>
     </p:ext>
   </p:extLst>
 </p:presentation>
@@ -1711,7 +1711,7 @@
                   <a:srgbClr val="FFFF00"/>
                 </a:highlight>
               </a:rPr>
-              <a:t>편향된 표본이 편향 되지 않게 표본을 추출하는 방법들 중에 랜덤추출이라는 방법이 있는데 </a:t>
+              <a:t>편향된 표본이 편향되지 않게 표본을 추출하는 방법들 중에 랜덤추출이라는 방법이 있는데 </a:t>
             </a:r>
             <a:endParaRPr lang="en-US" altLang="ko-KR" dirty="0">
               <a:highlight>
@@ -5258,6 +5258,14 @@
               <a:rPr lang="ko-KR" altLang="en-US" sz="1600" dirty="0"/>
               <a:t> 때 효율적</a:t>
             </a:r>
+            <a:r>
+              <a:rPr lang="en-US" altLang="ko-KR" sz="1600" dirty="0"/>
+              <a:t>. ex) </a:t>
+            </a:r>
+            <a:r>
+              <a:rPr lang="ko-KR" altLang="en-US" sz="1600" dirty="0"/>
+              <a:t>임의의 고등학교</a:t>
+            </a:r>
             <a:endParaRPr lang="en-US" altLang="ko-KR" sz="1600" dirty="0"/>
           </a:p>
         </p:txBody>
@@ -5564,6 +5572,22 @@
               <a:rPr lang="ko-KR" altLang="en-US" sz="1600" dirty="0"/>
               <a:t>각 층에서 단순 임의추출법에 따라 배정된 표본을 추출하는 방법</a:t>
             </a:r>
+            <a:r>
+              <a:rPr lang="en-US" altLang="ko-KR" sz="1600" dirty="0"/>
+              <a:t>. ex) </a:t>
+            </a:r>
+            <a:r>
+              <a:rPr lang="ko-KR" altLang="en-US" sz="1600" dirty="0"/>
+              <a:t>연령</a:t>
+            </a:r>
+            <a:r>
+              <a:rPr lang="en-US" altLang="ko-KR" sz="1600" dirty="0"/>
+              <a:t>, </a:t>
+            </a:r>
+            <a:r>
+              <a:rPr lang="ko-KR" altLang="en-US" sz="1600" dirty="0"/>
+              <a:t>학년</a:t>
+            </a:r>
             <a:endParaRPr lang="en-US" altLang="ko-KR" sz="1600" dirty="0"/>
           </a:p>
           <a:p>
@@ -5630,6 +5654,43 @@
               <a:t> 너무 많으면 신뢰성이 떨어진다</a:t>
             </a:r>
             <a:endParaRPr lang="en-US" altLang="ko-KR" sz="1600" dirty="0"/>
+          </a:p>
+        </p:txBody>
+      </p:sp>
+      <p:sp>
+        <p:nvSpPr>
+          <p:cNvPr id="2" name="직사각형 1">
+            <a:extLst>
+              <a:ext uri="{FF2B5EF4-FFF2-40B4-BE49-F238E27FC236}">
+                <a16:creationId xmlns:a16="http://schemas.microsoft.com/office/drawing/2014/main" id="{48A1260B-7FB4-4CEE-AF60-D606197BE8FA}"/>
+              </a:ext>
+            </a:extLst>
+          </p:cNvPr>
+          <p:cNvSpPr/>
+          <p:nvPr/>
+        </p:nvSpPr>
+        <p:spPr>
+          <a:xfrm>
+            <a:off x="4953000" y="6177832"/>
+            <a:ext cx="4953000" cy="523220"/>
+          </a:xfrm>
+          <a:prstGeom prst="rect">
+            <a:avLst/>
+          </a:prstGeom>
+        </p:spPr>
+        <p:txBody>
+          <a:bodyPr>
+            <a:spAutoFit/>
+          </a:bodyPr>
+          <a:lstStyle/>
+          <a:p>
+            <a:r>
+              <a:rPr lang="en-US" altLang="ko-KR" dirty="0">
+                <a:hlinkClick r:id="rId4"/>
+              </a:rPr>
+              <a:t>http://www.mysas.co.kr/SAS_tiptech/a_question.asp?B_NO=11138&amp;gotopage=1&amp;cmd=content</a:t>
+            </a:r>
+            <a:endParaRPr lang="ko-KR" altLang="en-US" dirty="0"/>
           </a:p>
         </p:txBody>
       </p:sp>
